--- a/Documentação/slide v0.5.pptx
+++ b/Documentação/slide v0.5.pptx
@@ -4861,7 +4861,7 @@
         </p:blipFill>
         <p:spPr>
           <a:xfrm>
-            <a:off x="1548908" y="868412"/>
+            <a:off x="1558433" y="829879"/>
             <a:ext cx="9094184" cy="5875722"/>
           </a:xfrm>
           <a:prstGeom prst="rect">
@@ -5258,42 +5258,6 @@
       </p:sp>
       <p:pic>
         <p:nvPicPr>
-          <p:cNvPr id="3" name="Imagem 2" descr="Tela de celular com publicação numa rede social&#10;&#10;Descrição gerada automaticamente">
-            <a:extLst>
-              <a:ext uri="{FF2B5EF4-FFF2-40B4-BE49-F238E27FC236}">
-                <a16:creationId xmlns:a16="http://schemas.microsoft.com/office/drawing/2014/main" id="{97988394-349E-4F17-A709-88AF1C8F197B}"/>
-              </a:ext>
-            </a:extLst>
-          </p:cNvPr>
-          <p:cNvPicPr>
-            <a:picLocks noChangeAspect="1"/>
-          </p:cNvPicPr>
-          <p:nvPr/>
-        </p:nvPicPr>
-        <p:blipFill>
-          <a:blip r:embed="rId2">
-            <a:extLst>
-              <a:ext uri="{28A0092B-C50C-407E-A947-70E740481C1C}">
-                <a14:useLocalDpi xmlns:a14="http://schemas.microsoft.com/office/drawing/2010/main" val="0"/>
-              </a:ext>
-            </a:extLst>
-          </a:blip>
-          <a:stretch>
-            <a:fillRect/>
-          </a:stretch>
-        </p:blipFill>
-        <p:spPr>
-          <a:xfrm>
-            <a:off x="1186068" y="1093987"/>
-            <a:ext cx="9819861" cy="5492122"/>
-          </a:xfrm>
-          <a:prstGeom prst="rect">
-            <a:avLst/>
-          </a:prstGeom>
-        </p:spPr>
-      </p:pic>
-      <p:pic>
-        <p:nvPicPr>
           <p:cNvPr id="5" name="Picture 2">
             <a:extLst>
               <a:ext uri="{FF2B5EF4-FFF2-40B4-BE49-F238E27FC236}">
@@ -5307,7 +5271,7 @@
           <p:nvPr/>
         </p:nvPicPr>
         <p:blipFill>
-          <a:blip r:embed="rId3" cstate="print">
+          <a:blip r:embed="rId2" cstate="print">
             <a:extLst>
               <a:ext uri="{28A0092B-C50C-407E-A947-70E740481C1C}">
                 <a14:useLocalDpi xmlns:a14="http://schemas.microsoft.com/office/drawing/2010/main" val="0"/>
@@ -5380,6 +5344,36 @@
           </a:fontRef>
         </p:style>
       </p:cxnSp>
+      <p:pic>
+        <p:nvPicPr>
+          <p:cNvPr id="4" name="Imagem 3">
+            <a:extLst>
+              <a:ext uri="{FF2B5EF4-FFF2-40B4-BE49-F238E27FC236}">
+                <a16:creationId xmlns:a16="http://schemas.microsoft.com/office/drawing/2014/main" id="{B0F33F9C-FC80-4ABE-9528-33AD86025CEC}"/>
+              </a:ext>
+            </a:extLst>
+          </p:cNvPr>
+          <p:cNvPicPr>
+            <a:picLocks noChangeAspect="1"/>
+          </p:cNvPicPr>
+          <p:nvPr/>
+        </p:nvPicPr>
+        <p:blipFill>
+          <a:blip r:embed="rId3"/>
+          <a:stretch>
+            <a:fillRect/>
+          </a:stretch>
+        </p:blipFill>
+        <p:spPr>
+          <a:xfrm>
+            <a:off x="1234731" y="838200"/>
+            <a:ext cx="9722536" cy="5486910"/>
+          </a:xfrm>
+          <a:prstGeom prst="rect">
+            <a:avLst/>
+          </a:prstGeom>
+        </p:spPr>
+      </p:pic>
     </p:spTree>
     <p:extLst>
       <p:ext uri="{BB962C8B-B14F-4D97-AF65-F5344CB8AC3E}">
@@ -5509,7 +5503,7 @@
                                           </p:stCondLst>
                                         </p:cTn>
                                         <p:tgtEl>
-                                          <p:spTgt spid="3"/>
+                                          <p:spTgt spid="2"/>
                                         </p:tgtEl>
                                         <p:attrNameLst>
                                           <p:attrName>style.visibility</p:attrName>
@@ -5522,41 +5516,6 @@
                                     <p:animEffect transition="in" filter="fade">
                                       <p:cBhvr>
                                         <p:cTn id="13" dur="500"/>
-                                        <p:tgtEl>
-                                          <p:spTgt spid="3"/>
-                                        </p:tgtEl>
-                                      </p:cBhvr>
-                                    </p:animEffect>
-                                  </p:childTnLst>
-                                </p:cTn>
-                              </p:par>
-                              <p:par>
-                                <p:cTn id="14" presetID="10" presetClass="entr" presetSubtype="0" fill="hold" nodeType="withEffect">
-                                  <p:stCondLst>
-                                    <p:cond delay="250"/>
-                                  </p:stCondLst>
-                                  <p:childTnLst>
-                                    <p:set>
-                                      <p:cBhvr>
-                                        <p:cTn id="15" dur="1" fill="hold">
-                                          <p:stCondLst>
-                                            <p:cond delay="0"/>
-                                          </p:stCondLst>
-                                        </p:cTn>
-                                        <p:tgtEl>
-                                          <p:spTgt spid="2"/>
-                                        </p:tgtEl>
-                                        <p:attrNameLst>
-                                          <p:attrName>style.visibility</p:attrName>
-                                        </p:attrNameLst>
-                                      </p:cBhvr>
-                                      <p:to>
-                                        <p:strVal val="visible"/>
-                                      </p:to>
-                                    </p:set>
-                                    <p:animEffect transition="in" filter="fade">
-                                      <p:cBhvr>
-                                        <p:cTn id="16" dur="500"/>
                                         <p:tgtEl>
                                           <p:spTgt spid="2"/>
                                         </p:tgtEl>
@@ -12208,15 +12167,33 @@
                                   </p:childTnLst>
                                 </p:cTn>
                               </p:par>
+                            </p:childTnLst>
+                          </p:cTn>
+                        </p:par>
+                      </p:childTnLst>
+                    </p:cTn>
+                  </p:par>
+                  <p:par>
+                    <p:cTn id="23" fill="hold">
+                      <p:stCondLst>
+                        <p:cond delay="indefinite"/>
+                      </p:stCondLst>
+                      <p:childTnLst>
+                        <p:par>
+                          <p:cTn id="24" fill="hold">
+                            <p:stCondLst>
+                              <p:cond delay="0"/>
+                            </p:stCondLst>
+                            <p:childTnLst>
                               <p:par>
-                                <p:cTn id="23" presetID="10" presetClass="entr" presetSubtype="0" fill="hold" nodeType="withEffect">
+                                <p:cTn id="25" presetID="10" presetClass="entr" presetSubtype="0" fill="hold" nodeType="clickEffect">
                                   <p:stCondLst>
                                     <p:cond delay="0"/>
                                   </p:stCondLst>
                                   <p:childTnLst>
                                     <p:set>
                                       <p:cBhvr>
-                                        <p:cTn id="24" dur="1" fill="hold">
+                                        <p:cTn id="26" dur="1" fill="hold">
                                           <p:stCondLst>
                                             <p:cond delay="0"/>
                                           </p:stCondLst>
@@ -12234,7 +12211,7 @@
                                     </p:set>
                                     <p:animEffect transition="in" filter="fade">
                                       <p:cBhvr>
-                                        <p:cTn id="25" dur="500"/>
+                                        <p:cTn id="27" dur="500"/>
                                         <p:tgtEl>
                                           <p:spTgt spid="11"/>
                                         </p:tgtEl>
